--- a/figures/rpc.pptx
+++ b/figures/rpc.pptx
@@ -7,6 +7,7 @@
   <p:sldIdLst>
     <p:sldId id="258" r:id="rId2"/>
     <p:sldId id="257" r:id="rId3"/>
+    <p:sldId id="261" r:id="rId4"/>
   </p:sldIdLst>
   <p:sldSz cx="12192000" cy="6858000"/>
   <p:notesSz cx="6858000" cy="9144000"/>
@@ -244,7 +245,7 @@
           <a:p>
             <a:fld id="{5D97E163-DB95-D24D-8C95-263DECB1FC34}" type="datetimeFigureOut">
               <a:rPr lang="en-US" smtClean="0"/>
-              <a:t>2/1/19</a:t>
+              <a:t>3/25/19</a:t>
             </a:fld>
             <a:endParaRPr lang="en-US"/>
           </a:p>
@@ -414,7 +415,7 @@
           <a:p>
             <a:fld id="{5D97E163-DB95-D24D-8C95-263DECB1FC34}" type="datetimeFigureOut">
               <a:rPr lang="en-US" smtClean="0"/>
-              <a:t>2/1/19</a:t>
+              <a:t>3/25/19</a:t>
             </a:fld>
             <a:endParaRPr lang="en-US"/>
           </a:p>
@@ -594,7 +595,7 @@
           <a:p>
             <a:fld id="{5D97E163-DB95-D24D-8C95-263DECB1FC34}" type="datetimeFigureOut">
               <a:rPr lang="en-US" smtClean="0"/>
-              <a:t>2/1/19</a:t>
+              <a:t>3/25/19</a:t>
             </a:fld>
             <a:endParaRPr lang="en-US"/>
           </a:p>
@@ -764,7 +765,7 @@
           <a:p>
             <a:fld id="{5D97E163-DB95-D24D-8C95-263DECB1FC34}" type="datetimeFigureOut">
               <a:rPr lang="en-US" smtClean="0"/>
-              <a:t>2/1/19</a:t>
+              <a:t>3/25/19</a:t>
             </a:fld>
             <a:endParaRPr lang="en-US"/>
           </a:p>
@@ -1010,7 +1011,7 @@
           <a:p>
             <a:fld id="{5D97E163-DB95-D24D-8C95-263DECB1FC34}" type="datetimeFigureOut">
               <a:rPr lang="en-US" smtClean="0"/>
-              <a:t>2/1/19</a:t>
+              <a:t>3/25/19</a:t>
             </a:fld>
             <a:endParaRPr lang="en-US"/>
           </a:p>
@@ -1242,7 +1243,7 @@
           <a:p>
             <a:fld id="{5D97E163-DB95-D24D-8C95-263DECB1FC34}" type="datetimeFigureOut">
               <a:rPr lang="en-US" smtClean="0"/>
-              <a:t>2/1/19</a:t>
+              <a:t>3/25/19</a:t>
             </a:fld>
             <a:endParaRPr lang="en-US"/>
           </a:p>
@@ -1609,7 +1610,7 @@
           <a:p>
             <a:fld id="{5D97E163-DB95-D24D-8C95-263DECB1FC34}" type="datetimeFigureOut">
               <a:rPr lang="en-US" smtClean="0"/>
-              <a:t>2/1/19</a:t>
+              <a:t>3/25/19</a:t>
             </a:fld>
             <a:endParaRPr lang="en-US"/>
           </a:p>
@@ -1727,7 +1728,7 @@
           <a:p>
             <a:fld id="{5D97E163-DB95-D24D-8C95-263DECB1FC34}" type="datetimeFigureOut">
               <a:rPr lang="en-US" smtClean="0"/>
-              <a:t>2/1/19</a:t>
+              <a:t>3/25/19</a:t>
             </a:fld>
             <a:endParaRPr lang="en-US"/>
           </a:p>
@@ -1822,7 +1823,7 @@
           <a:p>
             <a:fld id="{5D97E163-DB95-D24D-8C95-263DECB1FC34}" type="datetimeFigureOut">
               <a:rPr lang="en-US" smtClean="0"/>
-              <a:t>2/1/19</a:t>
+              <a:t>3/25/19</a:t>
             </a:fld>
             <a:endParaRPr lang="en-US"/>
           </a:p>
@@ -2099,7 +2100,7 @@
           <a:p>
             <a:fld id="{5D97E163-DB95-D24D-8C95-263DECB1FC34}" type="datetimeFigureOut">
               <a:rPr lang="en-US" smtClean="0"/>
-              <a:t>2/1/19</a:t>
+              <a:t>3/25/19</a:t>
             </a:fld>
             <a:endParaRPr lang="en-US"/>
           </a:p>
@@ -2352,7 +2353,7 @@
           <a:p>
             <a:fld id="{5D97E163-DB95-D24D-8C95-263DECB1FC34}" type="datetimeFigureOut">
               <a:rPr lang="en-US" smtClean="0"/>
-              <a:t>2/1/19</a:t>
+              <a:t>3/25/19</a:t>
             </a:fld>
             <a:endParaRPr lang="en-US"/>
           </a:p>
@@ -2565,7 +2566,7 @@
           <a:p>
             <a:fld id="{5D97E163-DB95-D24D-8C95-263DECB1FC34}" type="datetimeFigureOut">
               <a:rPr lang="en-US" smtClean="0"/>
-              <a:t>2/1/19</a:t>
+              <a:t>3/25/19</a:t>
             </a:fld>
             <a:endParaRPr lang="en-US"/>
           </a:p>
@@ -4459,11 +4460,7 @@
           <a:p>
             <a:r>
               <a:rPr lang="en-US" sz="2400" dirty="0" smtClean="0"/>
-              <a:t>Generic</a:t>
-            </a:r>
-            <a:r>
-              <a:rPr lang="en-US" sz="2400" dirty="0" smtClean="0"/>
-              <a:t> </a:t>
+              <a:t>Generic </a:t>
             </a:r>
           </a:p>
           <a:p>
@@ -4528,6 +4525,961 @@
       </p:par>
     </p:tnLst>
   </p:timing>
+</p:sld>
+</file>
+
+<file path=ppt/slides/slide3.xml><?xml version="1.0" encoding="utf-8"?>
+<p:sld xmlns:a="http://schemas.openxmlformats.org/drawingml/2006/main" xmlns:r="http://schemas.openxmlformats.org/officeDocument/2006/relationships" xmlns:p="http://schemas.openxmlformats.org/presentationml/2006/main">
+  <p:cSld>
+    <p:spTree>
+      <p:nvGrpSpPr>
+        <p:cNvPr id="1" name=""/>
+        <p:cNvGrpSpPr/>
+        <p:nvPr/>
+      </p:nvGrpSpPr>
+      <p:grpSpPr>
+        <a:xfrm>
+          <a:off x="0" y="0"/>
+          <a:ext cx="0" cy="0"/>
+          <a:chOff x="0" y="0"/>
+          <a:chExt cx="0" cy="0"/>
+        </a:xfrm>
+      </p:grpSpPr>
+      <p:grpSp>
+        <p:nvGrpSpPr>
+          <p:cNvPr id="44" name="Group 43"/>
+          <p:cNvGrpSpPr/>
+          <p:nvPr/>
+        </p:nvGrpSpPr>
+        <p:grpSpPr>
+          <a:xfrm>
+            <a:off x="6685108" y="1324046"/>
+            <a:ext cx="3586714" cy="4299662"/>
+            <a:chOff x="8038000" y="1321760"/>
+            <a:chExt cx="3586714" cy="4299662"/>
+          </a:xfrm>
+        </p:grpSpPr>
+        <p:sp>
+          <p:nvSpPr>
+            <p:cNvPr id="7" name="Rectangle 6"/>
+            <p:cNvSpPr/>
+            <p:nvPr/>
+          </p:nvSpPr>
+          <p:spPr>
+            <a:xfrm>
+              <a:off x="9102607" y="3945194"/>
+              <a:ext cx="1460358" cy="482120"/>
+            </a:xfrm>
+            <a:prstGeom prst="rect">
+              <a:avLst/>
+            </a:prstGeom>
+            <a:solidFill>
+              <a:srgbClr val="CFE7F1"/>
+            </a:solidFill>
+            <a:ln w="57150">
+              <a:solidFill>
+                <a:srgbClr val="00B0F0"/>
+              </a:solidFill>
+            </a:ln>
+          </p:spPr>
+          <p:style>
+            <a:lnRef idx="2">
+              <a:schemeClr val="accent1">
+                <a:shade val="50000"/>
+              </a:schemeClr>
+            </a:lnRef>
+            <a:fillRef idx="1">
+              <a:schemeClr val="accent1"/>
+            </a:fillRef>
+            <a:effectRef idx="0">
+              <a:schemeClr val="accent1"/>
+            </a:effectRef>
+            <a:fontRef idx="minor">
+              <a:schemeClr val="lt1"/>
+            </a:fontRef>
+          </p:style>
+          <p:txBody>
+            <a:bodyPr rtlCol="0" anchor="ctr"/>
+            <a:lstStyle/>
+            <a:p>
+              <a:pPr algn="ctr"/>
+              <a:r>
+                <a:rPr lang="en-US" sz="2800" dirty="0" smtClean="0">
+                  <a:solidFill>
+                    <a:schemeClr val="tx1"/>
+                  </a:solidFill>
+                </a:rPr>
+                <a:t>IP</a:t>
+              </a:r>
+              <a:endParaRPr lang="en-US" sz="2800" dirty="0">
+                <a:solidFill>
+                  <a:schemeClr val="tx1"/>
+                </a:solidFill>
+              </a:endParaRPr>
+            </a:p>
+          </p:txBody>
+        </p:sp>
+        <p:sp>
+          <p:nvSpPr>
+            <p:cNvPr id="8" name="Rectangle 7"/>
+            <p:cNvSpPr/>
+            <p:nvPr/>
+          </p:nvSpPr>
+          <p:spPr>
+            <a:xfrm>
+              <a:off x="9102606" y="3462727"/>
+              <a:ext cx="1460357" cy="482120"/>
+            </a:xfrm>
+            <a:prstGeom prst="rect">
+              <a:avLst/>
+            </a:prstGeom>
+            <a:solidFill>
+              <a:srgbClr val="CFE7F1"/>
+            </a:solidFill>
+            <a:ln w="57150">
+              <a:solidFill>
+                <a:srgbClr val="00B0F0"/>
+              </a:solidFill>
+            </a:ln>
+          </p:spPr>
+          <p:style>
+            <a:lnRef idx="2">
+              <a:schemeClr val="accent1">
+                <a:shade val="50000"/>
+              </a:schemeClr>
+            </a:lnRef>
+            <a:fillRef idx="1">
+              <a:schemeClr val="accent1"/>
+            </a:fillRef>
+            <a:effectRef idx="0">
+              <a:schemeClr val="accent1"/>
+            </a:effectRef>
+            <a:fontRef idx="minor">
+              <a:schemeClr val="lt1"/>
+            </a:fontRef>
+          </p:style>
+          <p:txBody>
+            <a:bodyPr rtlCol="0" anchor="ctr"/>
+            <a:lstStyle/>
+            <a:p>
+              <a:pPr algn="ctr"/>
+              <a:r>
+                <a:rPr lang="en-US" sz="2800" dirty="0" smtClean="0">
+                  <a:solidFill>
+                    <a:schemeClr val="tx1"/>
+                  </a:solidFill>
+                </a:rPr>
+                <a:t>TCP</a:t>
+              </a:r>
+              <a:endParaRPr lang="en-US" sz="2800" dirty="0">
+                <a:solidFill>
+                  <a:schemeClr val="tx1"/>
+                </a:solidFill>
+              </a:endParaRPr>
+            </a:p>
+          </p:txBody>
+        </p:sp>
+        <p:sp>
+          <p:nvSpPr>
+            <p:cNvPr id="9" name="Rectangle 8"/>
+            <p:cNvSpPr/>
+            <p:nvPr/>
+          </p:nvSpPr>
+          <p:spPr>
+            <a:xfrm>
+              <a:off x="9102606" y="2980607"/>
+              <a:ext cx="1454647" cy="482120"/>
+            </a:xfrm>
+            <a:prstGeom prst="rect">
+              <a:avLst/>
+            </a:prstGeom>
+            <a:solidFill>
+              <a:srgbClr val="CFE7F1"/>
+            </a:solidFill>
+            <a:ln w="57150">
+              <a:solidFill>
+                <a:srgbClr val="00B0F0"/>
+              </a:solidFill>
+            </a:ln>
+          </p:spPr>
+          <p:style>
+            <a:lnRef idx="2">
+              <a:schemeClr val="accent1">
+                <a:shade val="50000"/>
+              </a:schemeClr>
+            </a:lnRef>
+            <a:fillRef idx="1">
+              <a:schemeClr val="accent1"/>
+            </a:fillRef>
+            <a:effectRef idx="0">
+              <a:schemeClr val="accent1"/>
+            </a:effectRef>
+            <a:fontRef idx="minor">
+              <a:schemeClr val="lt1"/>
+            </a:fontRef>
+          </p:style>
+          <p:txBody>
+            <a:bodyPr rtlCol="0" anchor="ctr"/>
+            <a:lstStyle/>
+            <a:p>
+              <a:pPr algn="ctr"/>
+              <a:r>
+                <a:rPr lang="en-US" sz="2800" dirty="0" smtClean="0">
+                  <a:solidFill>
+                    <a:schemeClr val="tx1"/>
+                  </a:solidFill>
+                </a:rPr>
+                <a:t>TLS</a:t>
+              </a:r>
+              <a:endParaRPr lang="en-US" sz="2800" dirty="0">
+                <a:solidFill>
+                  <a:schemeClr val="tx1"/>
+                </a:solidFill>
+              </a:endParaRPr>
+            </a:p>
+          </p:txBody>
+        </p:sp>
+        <p:sp>
+          <p:nvSpPr>
+            <p:cNvPr id="10" name="Rectangle 9"/>
+            <p:cNvSpPr/>
+            <p:nvPr/>
+          </p:nvSpPr>
+          <p:spPr>
+            <a:xfrm>
+              <a:off x="9102606" y="2498140"/>
+              <a:ext cx="1454647" cy="482120"/>
+            </a:xfrm>
+            <a:prstGeom prst="rect">
+              <a:avLst/>
+            </a:prstGeom>
+            <a:solidFill>
+              <a:srgbClr val="CFE7F1"/>
+            </a:solidFill>
+            <a:ln w="57150">
+              <a:solidFill>
+                <a:srgbClr val="00B0F0"/>
+              </a:solidFill>
+            </a:ln>
+          </p:spPr>
+          <p:style>
+            <a:lnRef idx="2">
+              <a:schemeClr val="accent1">
+                <a:shade val="50000"/>
+              </a:schemeClr>
+            </a:lnRef>
+            <a:fillRef idx="1">
+              <a:schemeClr val="accent1"/>
+            </a:fillRef>
+            <a:effectRef idx="0">
+              <a:schemeClr val="accent1"/>
+            </a:effectRef>
+            <a:fontRef idx="minor">
+              <a:schemeClr val="lt1"/>
+            </a:fontRef>
+          </p:style>
+          <p:txBody>
+            <a:bodyPr rtlCol="0" anchor="ctr"/>
+            <a:lstStyle/>
+            <a:p>
+              <a:pPr algn="ctr"/>
+              <a:r>
+                <a:rPr lang="en-US" sz="2800" dirty="0" smtClean="0">
+                  <a:solidFill>
+                    <a:schemeClr val="tx1"/>
+                  </a:solidFill>
+                </a:rPr>
+                <a:t>HTTP</a:t>
+              </a:r>
+              <a:endParaRPr lang="en-US" sz="2800" dirty="0">
+                <a:solidFill>
+                  <a:schemeClr val="tx1"/>
+                </a:solidFill>
+              </a:endParaRPr>
+            </a:p>
+          </p:txBody>
+        </p:sp>
+        <p:cxnSp>
+          <p:nvCxnSpPr>
+            <p:cNvPr id="11" name="Straight Connector 10"/>
+            <p:cNvCxnSpPr/>
+            <p:nvPr/>
+          </p:nvCxnSpPr>
+          <p:spPr>
+            <a:xfrm flipH="1" flipV="1">
+              <a:off x="8255984" y="1981771"/>
+              <a:ext cx="849478" cy="516372"/>
+            </a:xfrm>
+            <a:prstGeom prst="line">
+              <a:avLst/>
+            </a:prstGeom>
+            <a:ln w="28575">
+              <a:solidFill>
+                <a:srgbClr val="00B0F0"/>
+              </a:solidFill>
+            </a:ln>
+          </p:spPr>
+          <p:style>
+            <a:lnRef idx="1">
+              <a:schemeClr val="accent1"/>
+            </a:lnRef>
+            <a:fillRef idx="0">
+              <a:schemeClr val="accent1"/>
+            </a:fillRef>
+            <a:effectRef idx="0">
+              <a:schemeClr val="accent1"/>
+            </a:effectRef>
+            <a:fontRef idx="minor">
+              <a:schemeClr val="tx1"/>
+            </a:fontRef>
+          </p:style>
+        </p:cxnSp>
+        <p:cxnSp>
+          <p:nvCxnSpPr>
+            <p:cNvPr id="12" name="Straight Connector 11"/>
+            <p:cNvCxnSpPr/>
+            <p:nvPr/>
+          </p:nvCxnSpPr>
+          <p:spPr>
+            <a:xfrm flipV="1">
+              <a:off x="10557253" y="1999499"/>
+              <a:ext cx="754760" cy="498641"/>
+            </a:xfrm>
+            <a:prstGeom prst="line">
+              <a:avLst/>
+            </a:prstGeom>
+            <a:ln w="28575">
+              <a:solidFill>
+                <a:srgbClr val="00B0F0"/>
+              </a:solidFill>
+            </a:ln>
+          </p:spPr>
+          <p:style>
+            <a:lnRef idx="1">
+              <a:schemeClr val="accent1"/>
+            </a:lnRef>
+            <a:fillRef idx="0">
+              <a:schemeClr val="accent1"/>
+            </a:fillRef>
+            <a:effectRef idx="0">
+              <a:schemeClr val="accent1"/>
+            </a:effectRef>
+            <a:fontRef idx="minor">
+              <a:schemeClr val="tx1"/>
+            </a:fontRef>
+          </p:style>
+        </p:cxnSp>
+        <p:cxnSp>
+          <p:nvCxnSpPr>
+            <p:cNvPr id="13" name="Straight Connector 12"/>
+            <p:cNvCxnSpPr/>
+            <p:nvPr/>
+          </p:nvCxnSpPr>
+          <p:spPr>
+            <a:xfrm flipH="1">
+              <a:off x="8081851" y="4442062"/>
+              <a:ext cx="1020757" cy="681349"/>
+            </a:xfrm>
+            <a:prstGeom prst="line">
+              <a:avLst/>
+            </a:prstGeom>
+            <a:ln w="28575">
+              <a:solidFill>
+                <a:srgbClr val="00B0F0"/>
+              </a:solidFill>
+            </a:ln>
+          </p:spPr>
+          <p:style>
+            <a:lnRef idx="1">
+              <a:schemeClr val="accent1"/>
+            </a:lnRef>
+            <a:fillRef idx="0">
+              <a:schemeClr val="accent1"/>
+            </a:fillRef>
+            <a:effectRef idx="0">
+              <a:schemeClr val="accent1"/>
+            </a:effectRef>
+            <a:fontRef idx="minor">
+              <a:schemeClr val="tx1"/>
+            </a:fontRef>
+          </p:style>
+        </p:cxnSp>
+        <p:cxnSp>
+          <p:nvCxnSpPr>
+            <p:cNvPr id="14" name="Straight Connector 13"/>
+            <p:cNvCxnSpPr/>
+            <p:nvPr/>
+          </p:nvCxnSpPr>
+          <p:spPr>
+            <a:xfrm>
+              <a:off x="10557253" y="4442062"/>
+              <a:ext cx="754760" cy="497215"/>
+            </a:xfrm>
+            <a:prstGeom prst="line">
+              <a:avLst/>
+            </a:prstGeom>
+            <a:ln w="28575">
+              <a:solidFill>
+                <a:srgbClr val="00B0F0"/>
+              </a:solidFill>
+            </a:ln>
+          </p:spPr>
+          <p:style>
+            <a:lnRef idx="1">
+              <a:schemeClr val="accent1"/>
+            </a:lnRef>
+            <a:fillRef idx="0">
+              <a:schemeClr val="accent1"/>
+            </a:fillRef>
+            <a:effectRef idx="0">
+              <a:schemeClr val="accent1"/>
+            </a:effectRef>
+            <a:fontRef idx="minor">
+              <a:schemeClr val="tx1"/>
+            </a:fontRef>
+          </p:style>
+        </p:cxnSp>
+        <p:sp>
+          <p:nvSpPr>
+            <p:cNvPr id="15" name="Rounded Rectangle 14"/>
+            <p:cNvSpPr/>
+            <p:nvPr/>
+          </p:nvSpPr>
+          <p:spPr>
+            <a:xfrm>
+              <a:off x="8038000" y="4943683"/>
+              <a:ext cx="3583858" cy="677739"/>
+            </a:xfrm>
+            <a:prstGeom prst="roundRect">
+              <a:avLst>
+                <a:gd name="adj" fmla="val 50000"/>
+              </a:avLst>
+            </a:prstGeom>
+            <a:ln w="28575"/>
+          </p:spPr>
+          <p:style>
+            <a:lnRef idx="2">
+              <a:schemeClr val="dk1"/>
+            </a:lnRef>
+            <a:fillRef idx="1">
+              <a:schemeClr val="lt1"/>
+            </a:fillRef>
+            <a:effectRef idx="0">
+              <a:schemeClr val="dk1"/>
+            </a:effectRef>
+            <a:fontRef idx="minor">
+              <a:schemeClr val="dk1"/>
+            </a:fontRef>
+          </p:style>
+          <p:txBody>
+            <a:bodyPr rtlCol="0" anchor="ctr"/>
+            <a:lstStyle/>
+            <a:p>
+              <a:pPr algn="ctr"/>
+              <a:r>
+                <a:rPr lang="en-US" sz="2800" dirty="0" smtClean="0"/>
+                <a:t>Networks</a:t>
+              </a:r>
+              <a:endParaRPr lang="en-US" sz="2800" dirty="0"/>
+            </a:p>
+          </p:txBody>
+        </p:sp>
+        <p:sp>
+          <p:nvSpPr>
+            <p:cNvPr id="16" name="Rounded Rectangle 15"/>
+            <p:cNvSpPr/>
+            <p:nvPr/>
+          </p:nvSpPr>
+          <p:spPr>
+            <a:xfrm>
+              <a:off x="8040856" y="1321760"/>
+              <a:ext cx="3583858" cy="677739"/>
+            </a:xfrm>
+            <a:prstGeom prst="roundRect">
+              <a:avLst>
+                <a:gd name="adj" fmla="val 50000"/>
+              </a:avLst>
+            </a:prstGeom>
+            <a:ln w="28575"/>
+          </p:spPr>
+          <p:style>
+            <a:lnRef idx="2">
+              <a:schemeClr val="dk1"/>
+            </a:lnRef>
+            <a:fillRef idx="1">
+              <a:schemeClr val="lt1"/>
+            </a:fillRef>
+            <a:effectRef idx="0">
+              <a:schemeClr val="dk1"/>
+            </a:effectRef>
+            <a:fontRef idx="minor">
+              <a:schemeClr val="dk1"/>
+            </a:fontRef>
+          </p:style>
+          <p:txBody>
+            <a:bodyPr rtlCol="0" anchor="ctr"/>
+            <a:lstStyle/>
+            <a:p>
+              <a:pPr algn="ctr"/>
+              <a:r>
+                <a:rPr lang="en-US" sz="2800" dirty="0" smtClean="0"/>
+                <a:t>Applications</a:t>
+              </a:r>
+              <a:endParaRPr lang="en-US" sz="2800" dirty="0"/>
+            </a:p>
+          </p:txBody>
+        </p:sp>
+      </p:grpSp>
+      <p:grpSp>
+        <p:nvGrpSpPr>
+          <p:cNvPr id="43" name="Group 42"/>
+          <p:cNvGrpSpPr/>
+          <p:nvPr/>
+        </p:nvGrpSpPr>
+        <p:grpSpPr>
+          <a:xfrm>
+            <a:off x="5506893" y="2753499"/>
+            <a:ext cx="1178215" cy="1463199"/>
+            <a:chOff x="6715710" y="2753499"/>
+            <a:chExt cx="1178215" cy="1463199"/>
+          </a:xfrm>
+        </p:grpSpPr>
+        <p:sp>
+          <p:nvSpPr>
+            <p:cNvPr id="17" name="Right Arrow 16"/>
+            <p:cNvSpPr/>
+            <p:nvPr/>
+          </p:nvSpPr>
+          <p:spPr>
+            <a:xfrm>
+              <a:off x="6719233" y="3230531"/>
+              <a:ext cx="1174692" cy="482120"/>
+            </a:xfrm>
+            <a:prstGeom prst="rightArrow">
+              <a:avLst/>
+            </a:prstGeom>
+          </p:spPr>
+          <p:style>
+            <a:lnRef idx="2">
+              <a:schemeClr val="accent1">
+                <a:shade val="50000"/>
+              </a:schemeClr>
+            </a:lnRef>
+            <a:fillRef idx="1">
+              <a:schemeClr val="accent1"/>
+            </a:fillRef>
+            <a:effectRef idx="0">
+              <a:schemeClr val="accent1"/>
+            </a:effectRef>
+            <a:fontRef idx="minor">
+              <a:schemeClr val="lt1"/>
+            </a:fontRef>
+          </p:style>
+          <p:txBody>
+            <a:bodyPr rtlCol="0" anchor="ctr"/>
+            <a:lstStyle/>
+            <a:p>
+              <a:pPr algn="ctr"/>
+              <a:endParaRPr lang="en-US"/>
+            </a:p>
+          </p:txBody>
+        </p:sp>
+        <p:sp>
+          <p:nvSpPr>
+            <p:cNvPr id="18" name="TextBox 17"/>
+            <p:cNvSpPr txBox="1"/>
+            <p:nvPr/>
+          </p:nvSpPr>
+          <p:spPr>
+            <a:xfrm>
+              <a:off x="6715710" y="2753499"/>
+              <a:ext cx="1063753" cy="646331"/>
+            </a:xfrm>
+            <a:prstGeom prst="rect">
+              <a:avLst/>
+            </a:prstGeom>
+            <a:noFill/>
+          </p:spPr>
+          <p:txBody>
+            <a:bodyPr wrap="none" rtlCol="0">
+              <a:spAutoFit/>
+            </a:bodyPr>
+            <a:lstStyle/>
+            <a:p>
+              <a:pPr algn="ctr"/>
+              <a:r>
+                <a:rPr lang="en-US" dirty="0" smtClean="0"/>
+                <a:t>Evolution</a:t>
+              </a:r>
+            </a:p>
+            <a:p>
+              <a:pPr algn="ctr"/>
+              <a:r>
+                <a:rPr lang="en-US" dirty="0"/>
+                <a:t>o</a:t>
+              </a:r>
+              <a:r>
+                <a:rPr lang="en-US" dirty="0" smtClean="0"/>
+                <a:t>f the </a:t>
+              </a:r>
+              <a:endParaRPr lang="en-US" dirty="0"/>
+            </a:p>
+          </p:txBody>
+        </p:sp>
+        <p:sp>
+          <p:nvSpPr>
+            <p:cNvPr id="19" name="TextBox 18"/>
+            <p:cNvSpPr txBox="1"/>
+            <p:nvPr/>
+          </p:nvSpPr>
+          <p:spPr>
+            <a:xfrm>
+              <a:off x="6804004" y="3570367"/>
+              <a:ext cx="887166" cy="646331"/>
+            </a:xfrm>
+            <a:prstGeom prst="rect">
+              <a:avLst/>
+            </a:prstGeom>
+            <a:noFill/>
+          </p:spPr>
+          <p:txBody>
+            <a:bodyPr wrap="none" rtlCol="0">
+              <a:spAutoFit/>
+            </a:bodyPr>
+            <a:lstStyle/>
+            <a:p>
+              <a:pPr algn="ctr"/>
+              <a:r>
+                <a:rPr lang="en-US" dirty="0" smtClean="0"/>
+                <a:t>Narrow</a:t>
+              </a:r>
+            </a:p>
+            <a:p>
+              <a:pPr algn="ctr"/>
+              <a:r>
+                <a:rPr lang="en-US" dirty="0" smtClean="0"/>
+                <a:t>Waist </a:t>
+              </a:r>
+              <a:endParaRPr lang="en-US" dirty="0"/>
+            </a:p>
+          </p:txBody>
+        </p:sp>
+      </p:grpSp>
+      <p:grpSp>
+        <p:nvGrpSpPr>
+          <p:cNvPr id="45" name="Group 44"/>
+          <p:cNvGrpSpPr/>
+          <p:nvPr/>
+        </p:nvGrpSpPr>
+        <p:grpSpPr>
+          <a:xfrm>
+            <a:off x="1359574" y="1324047"/>
+            <a:ext cx="4193228" cy="4299661"/>
+            <a:chOff x="1325520" y="1321760"/>
+            <a:chExt cx="4193228" cy="4299661"/>
+          </a:xfrm>
+        </p:grpSpPr>
+        <p:sp>
+          <p:nvSpPr>
+            <p:cNvPr id="35" name="Rectangle 34"/>
+            <p:cNvSpPr/>
+            <p:nvPr/>
+          </p:nvSpPr>
+          <p:spPr>
+            <a:xfrm>
+              <a:off x="2570152" y="2980259"/>
+              <a:ext cx="1700627" cy="963160"/>
+            </a:xfrm>
+            <a:prstGeom prst="rect">
+              <a:avLst/>
+            </a:prstGeom>
+            <a:solidFill>
+              <a:srgbClr val="CFE7F1"/>
+            </a:solidFill>
+            <a:ln w="57150">
+              <a:solidFill>
+                <a:srgbClr val="00B0F0"/>
+              </a:solidFill>
+            </a:ln>
+          </p:spPr>
+          <p:style>
+            <a:lnRef idx="2">
+              <a:schemeClr val="accent1">
+                <a:shade val="50000"/>
+              </a:schemeClr>
+            </a:lnRef>
+            <a:fillRef idx="1">
+              <a:schemeClr val="accent1"/>
+            </a:fillRef>
+            <a:effectRef idx="0">
+              <a:schemeClr val="accent1"/>
+            </a:effectRef>
+            <a:fontRef idx="minor">
+              <a:schemeClr val="lt1"/>
+            </a:fontRef>
+          </p:style>
+          <p:txBody>
+            <a:bodyPr rtlCol="0" anchor="ctr"/>
+            <a:lstStyle/>
+            <a:p>
+              <a:pPr algn="ctr"/>
+              <a:r>
+                <a:rPr lang="en-US" sz="2800" dirty="0" smtClean="0">
+                  <a:solidFill>
+                    <a:schemeClr val="tx1"/>
+                  </a:solidFill>
+                </a:rPr>
+                <a:t>IP</a:t>
+              </a:r>
+              <a:endParaRPr lang="en-US" sz="2800" dirty="0">
+                <a:solidFill>
+                  <a:schemeClr val="tx1"/>
+                </a:solidFill>
+              </a:endParaRPr>
+            </a:p>
+          </p:txBody>
+        </p:sp>
+        <p:cxnSp>
+          <p:nvCxnSpPr>
+            <p:cNvPr id="36" name="Straight Connector 35"/>
+            <p:cNvCxnSpPr/>
+            <p:nvPr/>
+          </p:nvCxnSpPr>
+          <p:spPr>
+            <a:xfrm flipH="1" flipV="1">
+              <a:off x="1580367" y="1981771"/>
+              <a:ext cx="989785" cy="1017992"/>
+            </a:xfrm>
+            <a:prstGeom prst="line">
+              <a:avLst/>
+            </a:prstGeom>
+            <a:ln w="28575">
+              <a:solidFill>
+                <a:srgbClr val="00B0F0"/>
+              </a:solidFill>
+            </a:ln>
+          </p:spPr>
+          <p:style>
+            <a:lnRef idx="1">
+              <a:schemeClr val="accent1"/>
+            </a:lnRef>
+            <a:fillRef idx="0">
+              <a:schemeClr val="accent1"/>
+            </a:fillRef>
+            <a:effectRef idx="0">
+              <a:schemeClr val="accent1"/>
+            </a:effectRef>
+            <a:fontRef idx="minor">
+              <a:schemeClr val="tx1"/>
+            </a:fontRef>
+          </p:style>
+        </p:cxnSp>
+        <p:cxnSp>
+          <p:nvCxnSpPr>
+            <p:cNvPr id="37" name="Straight Connector 36"/>
+            <p:cNvCxnSpPr/>
+            <p:nvPr/>
+          </p:nvCxnSpPr>
+          <p:spPr>
+            <a:xfrm flipV="1">
+              <a:off x="4270779" y="1999500"/>
+              <a:ext cx="882390" cy="976352"/>
+            </a:xfrm>
+            <a:prstGeom prst="line">
+              <a:avLst/>
+            </a:prstGeom>
+            <a:ln w="28575">
+              <a:solidFill>
+                <a:srgbClr val="00B0F0"/>
+              </a:solidFill>
+            </a:ln>
+          </p:spPr>
+          <p:style>
+            <a:lnRef idx="1">
+              <a:schemeClr val="accent1"/>
+            </a:lnRef>
+            <a:fillRef idx="0">
+              <a:schemeClr val="accent1"/>
+            </a:fillRef>
+            <a:effectRef idx="0">
+              <a:schemeClr val="accent1"/>
+            </a:effectRef>
+            <a:fontRef idx="minor">
+              <a:schemeClr val="tx1"/>
+            </a:fontRef>
+          </p:style>
+        </p:cxnSp>
+        <p:cxnSp>
+          <p:nvCxnSpPr>
+            <p:cNvPr id="38" name="Straight Connector 37"/>
+            <p:cNvCxnSpPr/>
+            <p:nvPr/>
+          </p:nvCxnSpPr>
+          <p:spPr>
+            <a:xfrm flipH="1">
+              <a:off x="1376787" y="3943418"/>
+              <a:ext cx="1193364" cy="1179992"/>
+            </a:xfrm>
+            <a:prstGeom prst="line">
+              <a:avLst/>
+            </a:prstGeom>
+            <a:ln w="28575">
+              <a:solidFill>
+                <a:srgbClr val="00B0F0"/>
+              </a:solidFill>
+            </a:ln>
+          </p:spPr>
+          <p:style>
+            <a:lnRef idx="1">
+              <a:schemeClr val="accent1"/>
+            </a:lnRef>
+            <a:fillRef idx="0">
+              <a:schemeClr val="accent1"/>
+            </a:fillRef>
+            <a:effectRef idx="0">
+              <a:schemeClr val="accent1"/>
+            </a:effectRef>
+            <a:fontRef idx="minor">
+              <a:schemeClr val="tx1"/>
+            </a:fontRef>
+          </p:style>
+        </p:cxnSp>
+        <p:cxnSp>
+          <p:nvCxnSpPr>
+            <p:cNvPr id="39" name="Straight Connector 38"/>
+            <p:cNvCxnSpPr/>
+            <p:nvPr/>
+          </p:nvCxnSpPr>
+          <p:spPr>
+            <a:xfrm>
+              <a:off x="4270779" y="3967329"/>
+              <a:ext cx="882390" cy="971947"/>
+            </a:xfrm>
+            <a:prstGeom prst="line">
+              <a:avLst/>
+            </a:prstGeom>
+            <a:ln w="28575">
+              <a:solidFill>
+                <a:srgbClr val="00B0F0"/>
+              </a:solidFill>
+            </a:ln>
+          </p:spPr>
+          <p:style>
+            <a:lnRef idx="1">
+              <a:schemeClr val="accent1"/>
+            </a:lnRef>
+            <a:fillRef idx="0">
+              <a:schemeClr val="accent1"/>
+            </a:fillRef>
+            <a:effectRef idx="0">
+              <a:schemeClr val="accent1"/>
+            </a:effectRef>
+            <a:fontRef idx="minor">
+              <a:schemeClr val="tx1"/>
+            </a:fontRef>
+          </p:style>
+        </p:cxnSp>
+        <p:sp>
+          <p:nvSpPr>
+            <p:cNvPr id="40" name="Rounded Rectangle 39"/>
+            <p:cNvSpPr/>
+            <p:nvPr/>
+          </p:nvSpPr>
+          <p:spPr>
+            <a:xfrm>
+              <a:off x="1325520" y="4943682"/>
+              <a:ext cx="4189889" cy="677739"/>
+            </a:xfrm>
+            <a:prstGeom prst="roundRect">
+              <a:avLst>
+                <a:gd name="adj" fmla="val 50000"/>
+              </a:avLst>
+            </a:prstGeom>
+            <a:ln w="28575"/>
+          </p:spPr>
+          <p:style>
+            <a:lnRef idx="2">
+              <a:schemeClr val="dk1"/>
+            </a:lnRef>
+            <a:fillRef idx="1">
+              <a:schemeClr val="lt1"/>
+            </a:fillRef>
+            <a:effectRef idx="0">
+              <a:schemeClr val="dk1"/>
+            </a:effectRef>
+            <a:fontRef idx="minor">
+              <a:schemeClr val="dk1"/>
+            </a:fontRef>
+          </p:style>
+          <p:txBody>
+            <a:bodyPr rtlCol="0" anchor="ctr"/>
+            <a:lstStyle/>
+            <a:p>
+              <a:pPr algn="ctr"/>
+              <a:r>
+                <a:rPr lang="en-US" sz="2800" dirty="0" smtClean="0"/>
+                <a:t>Networks</a:t>
+              </a:r>
+              <a:endParaRPr lang="en-US" sz="2800" dirty="0"/>
+            </a:p>
+          </p:txBody>
+        </p:sp>
+        <p:sp>
+          <p:nvSpPr>
+            <p:cNvPr id="41" name="Rounded Rectangle 40"/>
+            <p:cNvSpPr/>
+            <p:nvPr/>
+          </p:nvSpPr>
+          <p:spPr>
+            <a:xfrm>
+              <a:off x="1328859" y="1321760"/>
+              <a:ext cx="4189889" cy="677739"/>
+            </a:xfrm>
+            <a:prstGeom prst="roundRect">
+              <a:avLst>
+                <a:gd name="adj" fmla="val 50000"/>
+              </a:avLst>
+            </a:prstGeom>
+            <a:ln w="28575"/>
+          </p:spPr>
+          <p:style>
+            <a:lnRef idx="2">
+              <a:schemeClr val="dk1"/>
+            </a:lnRef>
+            <a:fillRef idx="1">
+              <a:schemeClr val="lt1"/>
+            </a:fillRef>
+            <a:effectRef idx="0">
+              <a:schemeClr val="dk1"/>
+            </a:effectRef>
+            <a:fontRef idx="minor">
+              <a:schemeClr val="dk1"/>
+            </a:fontRef>
+          </p:style>
+          <p:txBody>
+            <a:bodyPr rtlCol="0" anchor="ctr"/>
+            <a:lstStyle/>
+            <a:p>
+              <a:pPr algn="ctr"/>
+              <a:r>
+                <a:rPr lang="en-US" sz="2800" dirty="0" smtClean="0"/>
+                <a:t>Applications</a:t>
+              </a:r>
+              <a:endParaRPr lang="en-US" sz="2800" dirty="0"/>
+            </a:p>
+          </p:txBody>
+        </p:sp>
+      </p:grpSp>
+    </p:spTree>
+    <p:extLst>
+      <p:ext uri="{BB962C8B-B14F-4D97-AF65-F5344CB8AC3E}">
+        <p14:creationId xmlns:p14="http://schemas.microsoft.com/office/powerpoint/2010/main" val="469766703"/>
+      </p:ext>
+    </p:extLst>
+  </p:cSld>
+  <p:clrMapOvr>
+    <a:masterClrMapping/>
+  </p:clrMapOvr>
 </p:sld>
 </file>
 

--- a/figures/rpc.pptx
+++ b/figures/rpc.pptx
@@ -4,10 +4,14 @@
   <p:sldMasterIdLst>
     <p:sldMasterId id="2147483648" r:id="rId1"/>
   </p:sldMasterIdLst>
+  <p:notesMasterIdLst>
+    <p:notesMasterId r:id="rId6"/>
+  </p:notesMasterIdLst>
   <p:sldIdLst>
     <p:sldId id="258" r:id="rId2"/>
     <p:sldId id="257" r:id="rId3"/>
     <p:sldId id="261" r:id="rId4"/>
+    <p:sldId id="262" r:id="rId5"/>
   </p:sldIdLst>
   <p:sldSz cx="12192000" cy="6858000"/>
   <p:notesSz cx="6858000" cy="9144000"/>
@@ -114,6 +118,440 @@
 </p:presentation>
 </file>
 
+<file path=ppt/notesMasters/notesMaster1.xml><?xml version="1.0" encoding="utf-8"?>
+<p:notesMaster xmlns:a="http://schemas.openxmlformats.org/drawingml/2006/main" xmlns:r="http://schemas.openxmlformats.org/officeDocument/2006/relationships" xmlns:p="http://schemas.openxmlformats.org/presentationml/2006/main">
+  <p:cSld>
+    <p:bg>
+      <p:bgRef idx="1001">
+        <a:schemeClr val="bg1"/>
+      </p:bgRef>
+    </p:bg>
+    <p:spTree>
+      <p:nvGrpSpPr>
+        <p:cNvPr id="1" name=""/>
+        <p:cNvGrpSpPr/>
+        <p:nvPr/>
+      </p:nvGrpSpPr>
+      <p:grpSpPr>
+        <a:xfrm>
+          <a:off x="0" y="0"/>
+          <a:ext cx="0" cy="0"/>
+          <a:chOff x="0" y="0"/>
+          <a:chExt cx="0" cy="0"/>
+        </a:xfrm>
+      </p:grpSpPr>
+      <p:sp>
+        <p:nvSpPr>
+          <p:cNvPr id="2" name="Header Placeholder 1"/>
+          <p:cNvSpPr>
+            <a:spLocks noGrp="1"/>
+          </p:cNvSpPr>
+          <p:nvPr>
+            <p:ph type="hdr" sz="quarter"/>
+          </p:nvPr>
+        </p:nvSpPr>
+        <p:spPr>
+          <a:xfrm>
+            <a:off x="0" y="0"/>
+            <a:ext cx="2971800" cy="458788"/>
+          </a:xfrm>
+          <a:prstGeom prst="rect">
+            <a:avLst/>
+          </a:prstGeom>
+        </p:spPr>
+        <p:txBody>
+          <a:bodyPr vert="horz" lIns="91440" tIns="45720" rIns="91440" bIns="45720" rtlCol="0"/>
+          <a:lstStyle>
+            <a:lvl1pPr algn="l">
+              <a:defRPr sz="1200"/>
+            </a:lvl1pPr>
+          </a:lstStyle>
+          <a:p>
+            <a:endParaRPr lang="en-US"/>
+          </a:p>
+        </p:txBody>
+      </p:sp>
+      <p:sp>
+        <p:nvSpPr>
+          <p:cNvPr id="3" name="Date Placeholder 2"/>
+          <p:cNvSpPr>
+            <a:spLocks noGrp="1"/>
+          </p:cNvSpPr>
+          <p:nvPr>
+            <p:ph type="dt" idx="1"/>
+          </p:nvPr>
+        </p:nvSpPr>
+        <p:spPr>
+          <a:xfrm>
+            <a:off x="3884613" y="0"/>
+            <a:ext cx="2971800" cy="458788"/>
+          </a:xfrm>
+          <a:prstGeom prst="rect">
+            <a:avLst/>
+          </a:prstGeom>
+        </p:spPr>
+        <p:txBody>
+          <a:bodyPr vert="horz" lIns="91440" tIns="45720" rIns="91440" bIns="45720" rtlCol="0"/>
+          <a:lstStyle>
+            <a:lvl1pPr algn="r">
+              <a:defRPr sz="1200"/>
+            </a:lvl1pPr>
+          </a:lstStyle>
+          <a:p>
+            <a:fld id="{9E649BF4-58FE-2544-902F-4DDF88090C98}" type="datetimeFigureOut">
+              <a:rPr lang="en-US" smtClean="0"/>
+              <a:t>11/5/19</a:t>
+            </a:fld>
+            <a:endParaRPr lang="en-US"/>
+          </a:p>
+        </p:txBody>
+      </p:sp>
+      <p:sp>
+        <p:nvSpPr>
+          <p:cNvPr id="4" name="Slide Image Placeholder 3"/>
+          <p:cNvSpPr>
+            <a:spLocks noGrp="1" noRot="1" noChangeAspect="1"/>
+          </p:cNvSpPr>
+          <p:nvPr>
+            <p:ph type="sldImg" idx="2"/>
+          </p:nvPr>
+        </p:nvSpPr>
+        <p:spPr>
+          <a:xfrm>
+            <a:off x="685800" y="1143000"/>
+            <a:ext cx="5486400" cy="3086100"/>
+          </a:xfrm>
+          <a:prstGeom prst="rect">
+            <a:avLst/>
+          </a:prstGeom>
+          <a:noFill/>
+          <a:ln w="12700">
+            <a:solidFill>
+              <a:prstClr val="black"/>
+            </a:solidFill>
+          </a:ln>
+        </p:spPr>
+        <p:txBody>
+          <a:bodyPr vert="horz" lIns="91440" tIns="45720" rIns="91440" bIns="45720" rtlCol="0" anchor="ctr"/>
+          <a:lstStyle/>
+          <a:p>
+            <a:endParaRPr lang="en-US"/>
+          </a:p>
+        </p:txBody>
+      </p:sp>
+      <p:sp>
+        <p:nvSpPr>
+          <p:cNvPr id="5" name="Notes Placeholder 4"/>
+          <p:cNvSpPr>
+            <a:spLocks noGrp="1"/>
+          </p:cNvSpPr>
+          <p:nvPr>
+            <p:ph type="body" sz="quarter" idx="3"/>
+          </p:nvPr>
+        </p:nvSpPr>
+        <p:spPr>
+          <a:xfrm>
+            <a:off x="685800" y="4400550"/>
+            <a:ext cx="5486400" cy="3600450"/>
+          </a:xfrm>
+          <a:prstGeom prst="rect">
+            <a:avLst/>
+          </a:prstGeom>
+        </p:spPr>
+        <p:txBody>
+          <a:bodyPr vert="horz" lIns="91440" tIns="45720" rIns="91440" bIns="45720" rtlCol="0"/>
+          <a:lstStyle/>
+          <a:p>
+            <a:pPr lvl="0"/>
+            <a:r>
+              <a:rPr lang="en-US" smtClean="0"/>
+              <a:t>Click to edit Master text styles</a:t>
+            </a:r>
+          </a:p>
+          <a:p>
+            <a:pPr lvl="1"/>
+            <a:r>
+              <a:rPr lang="en-US" smtClean="0"/>
+              <a:t>Second level</a:t>
+            </a:r>
+          </a:p>
+          <a:p>
+            <a:pPr lvl="2"/>
+            <a:r>
+              <a:rPr lang="en-US" smtClean="0"/>
+              <a:t>Third level</a:t>
+            </a:r>
+          </a:p>
+          <a:p>
+            <a:pPr lvl="3"/>
+            <a:r>
+              <a:rPr lang="en-US" smtClean="0"/>
+              <a:t>Fourth level</a:t>
+            </a:r>
+          </a:p>
+          <a:p>
+            <a:pPr lvl="4"/>
+            <a:r>
+              <a:rPr lang="en-US" smtClean="0"/>
+              <a:t>Fifth level</a:t>
+            </a:r>
+            <a:endParaRPr lang="en-US"/>
+          </a:p>
+        </p:txBody>
+      </p:sp>
+      <p:sp>
+        <p:nvSpPr>
+          <p:cNvPr id="6" name="Footer Placeholder 5"/>
+          <p:cNvSpPr>
+            <a:spLocks noGrp="1"/>
+          </p:cNvSpPr>
+          <p:nvPr>
+            <p:ph type="ftr" sz="quarter" idx="4"/>
+          </p:nvPr>
+        </p:nvSpPr>
+        <p:spPr>
+          <a:xfrm>
+            <a:off x="0" y="8685213"/>
+            <a:ext cx="2971800" cy="458787"/>
+          </a:xfrm>
+          <a:prstGeom prst="rect">
+            <a:avLst/>
+          </a:prstGeom>
+        </p:spPr>
+        <p:txBody>
+          <a:bodyPr vert="horz" lIns="91440" tIns="45720" rIns="91440" bIns="45720" rtlCol="0" anchor="b"/>
+          <a:lstStyle>
+            <a:lvl1pPr algn="l">
+              <a:defRPr sz="1200"/>
+            </a:lvl1pPr>
+          </a:lstStyle>
+          <a:p>
+            <a:endParaRPr lang="en-US"/>
+          </a:p>
+        </p:txBody>
+      </p:sp>
+      <p:sp>
+        <p:nvSpPr>
+          <p:cNvPr id="7" name="Slide Number Placeholder 6"/>
+          <p:cNvSpPr>
+            <a:spLocks noGrp="1"/>
+          </p:cNvSpPr>
+          <p:nvPr>
+            <p:ph type="sldNum" sz="quarter" idx="5"/>
+          </p:nvPr>
+        </p:nvSpPr>
+        <p:spPr>
+          <a:xfrm>
+            <a:off x="3884613" y="8685213"/>
+            <a:ext cx="2971800" cy="458787"/>
+          </a:xfrm>
+          <a:prstGeom prst="rect">
+            <a:avLst/>
+          </a:prstGeom>
+        </p:spPr>
+        <p:txBody>
+          <a:bodyPr vert="horz" lIns="91440" tIns="45720" rIns="91440" bIns="45720" rtlCol="0" anchor="b"/>
+          <a:lstStyle>
+            <a:lvl1pPr algn="r">
+              <a:defRPr sz="1200"/>
+            </a:lvl1pPr>
+          </a:lstStyle>
+          <a:p>
+            <a:fld id="{3F4B8CF9-FC72-6148-B924-CB301D3BB960}" type="slidenum">
+              <a:rPr lang="en-US" smtClean="0"/>
+              <a:t>‹#›</a:t>
+            </a:fld>
+            <a:endParaRPr lang="en-US"/>
+          </a:p>
+        </p:txBody>
+      </p:sp>
+    </p:spTree>
+    <p:extLst>
+      <p:ext uri="{BB962C8B-B14F-4D97-AF65-F5344CB8AC3E}">
+        <p14:creationId xmlns:p14="http://schemas.microsoft.com/office/powerpoint/2010/main" val="539358673"/>
+      </p:ext>
+    </p:extLst>
+  </p:cSld>
+  <p:clrMap bg1="lt1" tx1="dk1" bg2="lt2" tx2="dk2" accent1="accent1" accent2="accent2" accent3="accent3" accent4="accent4" accent5="accent5" accent6="accent6" hlink="hlink" folHlink="folHlink"/>
+  <p:notesStyle>
+    <a:lvl1pPr marL="0" algn="l" defTabSz="914400" rtl="0" eaLnBrk="1" latinLnBrk="0" hangingPunct="1">
+      <a:defRPr sz="1200" kern="1200">
+        <a:solidFill>
+          <a:schemeClr val="tx1"/>
+        </a:solidFill>
+        <a:latin typeface="+mn-lt"/>
+        <a:ea typeface="+mn-ea"/>
+        <a:cs typeface="+mn-cs"/>
+      </a:defRPr>
+    </a:lvl1pPr>
+    <a:lvl2pPr marL="457200" algn="l" defTabSz="914400" rtl="0" eaLnBrk="1" latinLnBrk="0" hangingPunct="1">
+      <a:defRPr sz="1200" kern="1200">
+        <a:solidFill>
+          <a:schemeClr val="tx1"/>
+        </a:solidFill>
+        <a:latin typeface="+mn-lt"/>
+        <a:ea typeface="+mn-ea"/>
+        <a:cs typeface="+mn-cs"/>
+      </a:defRPr>
+    </a:lvl2pPr>
+    <a:lvl3pPr marL="914400" algn="l" defTabSz="914400" rtl="0" eaLnBrk="1" latinLnBrk="0" hangingPunct="1">
+      <a:defRPr sz="1200" kern="1200">
+        <a:solidFill>
+          <a:schemeClr val="tx1"/>
+        </a:solidFill>
+        <a:latin typeface="+mn-lt"/>
+        <a:ea typeface="+mn-ea"/>
+        <a:cs typeface="+mn-cs"/>
+      </a:defRPr>
+    </a:lvl3pPr>
+    <a:lvl4pPr marL="1371600" algn="l" defTabSz="914400" rtl="0" eaLnBrk="1" latinLnBrk="0" hangingPunct="1">
+      <a:defRPr sz="1200" kern="1200">
+        <a:solidFill>
+          <a:schemeClr val="tx1"/>
+        </a:solidFill>
+        <a:latin typeface="+mn-lt"/>
+        <a:ea typeface="+mn-ea"/>
+        <a:cs typeface="+mn-cs"/>
+      </a:defRPr>
+    </a:lvl4pPr>
+    <a:lvl5pPr marL="1828800" algn="l" defTabSz="914400" rtl="0" eaLnBrk="1" latinLnBrk="0" hangingPunct="1">
+      <a:defRPr sz="1200" kern="1200">
+        <a:solidFill>
+          <a:schemeClr val="tx1"/>
+        </a:solidFill>
+        <a:latin typeface="+mn-lt"/>
+        <a:ea typeface="+mn-ea"/>
+        <a:cs typeface="+mn-cs"/>
+      </a:defRPr>
+    </a:lvl5pPr>
+    <a:lvl6pPr marL="2286000" algn="l" defTabSz="914400" rtl="0" eaLnBrk="1" latinLnBrk="0" hangingPunct="1">
+      <a:defRPr sz="1200" kern="1200">
+        <a:solidFill>
+          <a:schemeClr val="tx1"/>
+        </a:solidFill>
+        <a:latin typeface="+mn-lt"/>
+        <a:ea typeface="+mn-ea"/>
+        <a:cs typeface="+mn-cs"/>
+      </a:defRPr>
+    </a:lvl6pPr>
+    <a:lvl7pPr marL="2743200" algn="l" defTabSz="914400" rtl="0" eaLnBrk="1" latinLnBrk="0" hangingPunct="1">
+      <a:defRPr sz="1200" kern="1200">
+        <a:solidFill>
+          <a:schemeClr val="tx1"/>
+        </a:solidFill>
+        <a:latin typeface="+mn-lt"/>
+        <a:ea typeface="+mn-ea"/>
+        <a:cs typeface="+mn-cs"/>
+      </a:defRPr>
+    </a:lvl7pPr>
+    <a:lvl8pPr marL="3200400" algn="l" defTabSz="914400" rtl="0" eaLnBrk="1" latinLnBrk="0" hangingPunct="1">
+      <a:defRPr sz="1200" kern="1200">
+        <a:solidFill>
+          <a:schemeClr val="tx1"/>
+        </a:solidFill>
+        <a:latin typeface="+mn-lt"/>
+        <a:ea typeface="+mn-ea"/>
+        <a:cs typeface="+mn-cs"/>
+      </a:defRPr>
+    </a:lvl8pPr>
+    <a:lvl9pPr marL="3657600" algn="l" defTabSz="914400" rtl="0" eaLnBrk="1" latinLnBrk="0" hangingPunct="1">
+      <a:defRPr sz="1200" kern="1200">
+        <a:solidFill>
+          <a:schemeClr val="tx1"/>
+        </a:solidFill>
+        <a:latin typeface="+mn-lt"/>
+        <a:ea typeface="+mn-ea"/>
+        <a:cs typeface="+mn-cs"/>
+      </a:defRPr>
+    </a:lvl9pPr>
+  </p:notesStyle>
+</p:notesMaster>
+</file>
+
+<file path=ppt/notesSlides/notesSlide1.xml><?xml version="1.0" encoding="utf-8"?>
+<p:notes xmlns:a="http://schemas.openxmlformats.org/drawingml/2006/main" xmlns:r="http://schemas.openxmlformats.org/officeDocument/2006/relationships" xmlns:p="http://schemas.openxmlformats.org/presentationml/2006/main">
+  <p:cSld>
+    <p:spTree>
+      <p:nvGrpSpPr>
+        <p:cNvPr id="1" name=""/>
+        <p:cNvGrpSpPr/>
+        <p:nvPr/>
+      </p:nvGrpSpPr>
+      <p:grpSpPr>
+        <a:xfrm>
+          <a:off x="0" y="0"/>
+          <a:ext cx="0" cy="0"/>
+          <a:chOff x="0" y="0"/>
+          <a:chExt cx="0" cy="0"/>
+        </a:xfrm>
+      </p:grpSpPr>
+      <p:sp>
+        <p:nvSpPr>
+          <p:cNvPr id="2" name="Slide Image Placeholder 1"/>
+          <p:cNvSpPr>
+            <a:spLocks noGrp="1" noRot="1" noChangeAspect="1"/>
+          </p:cNvSpPr>
+          <p:nvPr>
+            <p:ph type="sldImg"/>
+          </p:nvPr>
+        </p:nvSpPr>
+        <p:spPr/>
+      </p:sp>
+      <p:sp>
+        <p:nvSpPr>
+          <p:cNvPr id="3" name="Notes Placeholder 2"/>
+          <p:cNvSpPr>
+            <a:spLocks noGrp="1"/>
+          </p:cNvSpPr>
+          <p:nvPr>
+            <p:ph type="body" idx="1"/>
+          </p:nvPr>
+        </p:nvSpPr>
+        <p:spPr/>
+        <p:txBody>
+          <a:bodyPr/>
+          <a:lstStyle/>
+          <a:p>
+            <a:endParaRPr lang="en-US" dirty="0"/>
+          </a:p>
+        </p:txBody>
+      </p:sp>
+      <p:sp>
+        <p:nvSpPr>
+          <p:cNvPr id="4" name="Slide Number Placeholder 3"/>
+          <p:cNvSpPr>
+            <a:spLocks noGrp="1"/>
+          </p:cNvSpPr>
+          <p:nvPr>
+            <p:ph type="sldNum" sz="quarter" idx="10"/>
+          </p:nvPr>
+        </p:nvSpPr>
+        <p:spPr/>
+        <p:txBody>
+          <a:bodyPr/>
+          <a:lstStyle/>
+          <a:p>
+            <a:fld id="{3F4B8CF9-FC72-6148-B924-CB301D3BB960}" type="slidenum">
+              <a:rPr lang="en-US" smtClean="0"/>
+              <a:t>4</a:t>
+            </a:fld>
+            <a:endParaRPr lang="en-US"/>
+          </a:p>
+        </p:txBody>
+      </p:sp>
+    </p:spTree>
+    <p:extLst>
+      <p:ext uri="{BB962C8B-B14F-4D97-AF65-F5344CB8AC3E}">
+        <p14:creationId xmlns:p14="http://schemas.microsoft.com/office/powerpoint/2010/main" val="472743124"/>
+      </p:ext>
+    </p:extLst>
+  </p:cSld>
+  <p:clrMapOvr>
+    <a:masterClrMapping/>
+  </p:clrMapOvr>
+</p:notes>
+</file>
+
 <file path=ppt/slideLayouts/slideLayout1.xml><?xml version="1.0" encoding="utf-8"?>
 <p:sldLayout xmlns:a="http://schemas.openxmlformats.org/drawingml/2006/main" xmlns:r="http://schemas.openxmlformats.org/officeDocument/2006/relationships" xmlns:p="http://schemas.openxmlformats.org/presentationml/2006/main" type="title" preserve="1">
   <p:cSld name="Title Slide">
@@ -245,7 +683,7 @@
           <a:p>
             <a:fld id="{5D97E163-DB95-D24D-8C95-263DECB1FC34}" type="datetimeFigureOut">
               <a:rPr lang="en-US" smtClean="0"/>
-              <a:t>3/25/19</a:t>
+              <a:t>11/5/19</a:t>
             </a:fld>
             <a:endParaRPr lang="en-US"/>
           </a:p>
@@ -415,7 +853,7 @@
           <a:p>
             <a:fld id="{5D97E163-DB95-D24D-8C95-263DECB1FC34}" type="datetimeFigureOut">
               <a:rPr lang="en-US" smtClean="0"/>
-              <a:t>3/25/19</a:t>
+              <a:t>11/5/19</a:t>
             </a:fld>
             <a:endParaRPr lang="en-US"/>
           </a:p>
@@ -595,7 +1033,7 @@
           <a:p>
             <a:fld id="{5D97E163-DB95-D24D-8C95-263DECB1FC34}" type="datetimeFigureOut">
               <a:rPr lang="en-US" smtClean="0"/>
-              <a:t>3/25/19</a:t>
+              <a:t>11/5/19</a:t>
             </a:fld>
             <a:endParaRPr lang="en-US"/>
           </a:p>
@@ -765,7 +1203,7 @@
           <a:p>
             <a:fld id="{5D97E163-DB95-D24D-8C95-263DECB1FC34}" type="datetimeFigureOut">
               <a:rPr lang="en-US" smtClean="0"/>
-              <a:t>3/25/19</a:t>
+              <a:t>11/5/19</a:t>
             </a:fld>
             <a:endParaRPr lang="en-US"/>
           </a:p>
@@ -1011,7 +1449,7 @@
           <a:p>
             <a:fld id="{5D97E163-DB95-D24D-8C95-263DECB1FC34}" type="datetimeFigureOut">
               <a:rPr lang="en-US" smtClean="0"/>
-              <a:t>3/25/19</a:t>
+              <a:t>11/5/19</a:t>
             </a:fld>
             <a:endParaRPr lang="en-US"/>
           </a:p>
@@ -1243,7 +1681,7 @@
           <a:p>
             <a:fld id="{5D97E163-DB95-D24D-8C95-263DECB1FC34}" type="datetimeFigureOut">
               <a:rPr lang="en-US" smtClean="0"/>
-              <a:t>3/25/19</a:t>
+              <a:t>11/5/19</a:t>
             </a:fld>
             <a:endParaRPr lang="en-US"/>
           </a:p>
@@ -1610,7 +2048,7 @@
           <a:p>
             <a:fld id="{5D97E163-DB95-D24D-8C95-263DECB1FC34}" type="datetimeFigureOut">
               <a:rPr lang="en-US" smtClean="0"/>
-              <a:t>3/25/19</a:t>
+              <a:t>11/5/19</a:t>
             </a:fld>
             <a:endParaRPr lang="en-US"/>
           </a:p>
@@ -1728,7 +2166,7 @@
           <a:p>
             <a:fld id="{5D97E163-DB95-D24D-8C95-263DECB1FC34}" type="datetimeFigureOut">
               <a:rPr lang="en-US" smtClean="0"/>
-              <a:t>3/25/19</a:t>
+              <a:t>11/5/19</a:t>
             </a:fld>
             <a:endParaRPr lang="en-US"/>
           </a:p>
@@ -1823,7 +2261,7 @@
           <a:p>
             <a:fld id="{5D97E163-DB95-D24D-8C95-263DECB1FC34}" type="datetimeFigureOut">
               <a:rPr lang="en-US" smtClean="0"/>
-              <a:t>3/25/19</a:t>
+              <a:t>11/5/19</a:t>
             </a:fld>
             <a:endParaRPr lang="en-US"/>
           </a:p>
@@ -2100,7 +2538,7 @@
           <a:p>
             <a:fld id="{5D97E163-DB95-D24D-8C95-263DECB1FC34}" type="datetimeFigureOut">
               <a:rPr lang="en-US" smtClean="0"/>
-              <a:t>3/25/19</a:t>
+              <a:t>11/5/19</a:t>
             </a:fld>
             <a:endParaRPr lang="en-US"/>
           </a:p>
@@ -2353,7 +2791,7 @@
           <a:p>
             <a:fld id="{5D97E163-DB95-D24D-8C95-263DECB1FC34}" type="datetimeFigureOut">
               <a:rPr lang="en-US" smtClean="0"/>
-              <a:t>3/25/19</a:t>
+              <a:t>11/5/19</a:t>
             </a:fld>
             <a:endParaRPr lang="en-US"/>
           </a:p>
@@ -2566,7 +3004,7 @@
           <a:p>
             <a:fld id="{5D97E163-DB95-D24D-8C95-263DECB1FC34}" type="datetimeFigureOut">
               <a:rPr lang="en-US" smtClean="0"/>
-              <a:t>3/25/19</a:t>
+              <a:t>11/5/19</a:t>
             </a:fld>
             <a:endParaRPr lang="en-US"/>
           </a:p>
@@ -5480,6 +5918,140 @@
   <p:clrMapOvr>
     <a:masterClrMapping/>
   </p:clrMapOvr>
+  <p:timing>
+    <p:tnLst>
+      <p:par>
+        <p:cTn id="1" dur="indefinite" restart="never" nodeType="tmRoot"/>
+      </p:par>
+    </p:tnLst>
+  </p:timing>
+</p:sld>
+</file>
+
+<file path=ppt/slides/slide4.xml><?xml version="1.0" encoding="utf-8"?>
+<p:sld xmlns:a="http://schemas.openxmlformats.org/drawingml/2006/main" xmlns:r="http://schemas.openxmlformats.org/officeDocument/2006/relationships" xmlns:p="http://schemas.openxmlformats.org/presentationml/2006/main">
+  <p:cSld>
+    <p:spTree>
+      <p:nvGrpSpPr>
+        <p:cNvPr id="1" name=""/>
+        <p:cNvGrpSpPr/>
+        <p:nvPr/>
+      </p:nvGrpSpPr>
+      <p:grpSpPr>
+        <a:xfrm>
+          <a:off x="0" y="0"/>
+          <a:ext cx="0" cy="0"/>
+          <a:chOff x="0" y="0"/>
+          <a:chExt cx="0" cy="0"/>
+        </a:xfrm>
+      </p:grpSpPr>
+      <p:pic>
+        <p:nvPicPr>
+          <p:cNvPr id="2" name="Picture 1"/>
+          <p:cNvPicPr>
+            <a:picLocks noChangeAspect="1"/>
+          </p:cNvPicPr>
+          <p:nvPr/>
+        </p:nvPicPr>
+        <p:blipFill>
+          <a:blip r:embed="rId3">
+            <a:extLst>
+              <a:ext uri="{28A0092B-C50C-407E-A947-70E740481C1C}">
+                <a14:useLocalDpi xmlns:a14="http://schemas.microsoft.com/office/drawing/2010/main" val="0"/>
+              </a:ext>
+            </a:extLst>
+          </a:blip>
+          <a:stretch>
+            <a:fillRect/>
+          </a:stretch>
+        </p:blipFill>
+        <p:spPr>
+          <a:xfrm>
+            <a:off x="152400" y="0"/>
+            <a:ext cx="10058400" cy="5803267"/>
+          </a:xfrm>
+          <a:prstGeom prst="rect">
+            <a:avLst/>
+          </a:prstGeom>
+        </p:spPr>
+      </p:pic>
+      <p:pic>
+        <p:nvPicPr>
+          <p:cNvPr id="3" name="Picture 2"/>
+          <p:cNvPicPr>
+            <a:picLocks noChangeAspect="1"/>
+          </p:cNvPicPr>
+          <p:nvPr/>
+        </p:nvPicPr>
+        <p:blipFill>
+          <a:blip r:embed="rId4">
+            <a:extLst>
+              <a:ext uri="{28A0092B-C50C-407E-A947-70E740481C1C}">
+                <a14:useLocalDpi xmlns:a14="http://schemas.microsoft.com/office/drawing/2010/main" val="0"/>
+              </a:ext>
+            </a:extLst>
+          </a:blip>
+          <a:stretch>
+            <a:fillRect/>
+          </a:stretch>
+        </p:blipFill>
+        <p:spPr>
+          <a:xfrm>
+            <a:off x="2344994" y="304486"/>
+            <a:ext cx="1401096" cy="786896"/>
+          </a:xfrm>
+          <a:prstGeom prst="rect">
+            <a:avLst/>
+          </a:prstGeom>
+        </p:spPr>
+      </p:pic>
+      <p:pic>
+        <p:nvPicPr>
+          <p:cNvPr id="4" name="Picture 3"/>
+          <p:cNvPicPr>
+            <a:picLocks noChangeAspect="1"/>
+          </p:cNvPicPr>
+          <p:nvPr/>
+        </p:nvPicPr>
+        <p:blipFill>
+          <a:blip r:embed="rId5">
+            <a:extLst>
+              <a:ext uri="{28A0092B-C50C-407E-A947-70E740481C1C}">
+                <a14:useLocalDpi xmlns:a14="http://schemas.microsoft.com/office/drawing/2010/main" val="0"/>
+              </a:ext>
+            </a:extLst>
+          </a:blip>
+          <a:stretch>
+            <a:fillRect/>
+          </a:stretch>
+        </p:blipFill>
+        <p:spPr>
+          <a:xfrm>
+            <a:off x="3834581" y="304486"/>
+            <a:ext cx="1371600" cy="786896"/>
+          </a:xfrm>
+          <a:prstGeom prst="rect">
+            <a:avLst/>
+          </a:prstGeom>
+        </p:spPr>
+      </p:pic>
+    </p:spTree>
+    <p:extLst>
+      <p:ext uri="{BB962C8B-B14F-4D97-AF65-F5344CB8AC3E}">
+        <p14:creationId xmlns:p14="http://schemas.microsoft.com/office/powerpoint/2010/main" val="120570631"/>
+      </p:ext>
+    </p:extLst>
+  </p:cSld>
+  <p:clrMapOvr>
+    <a:masterClrMapping/>
+  </p:clrMapOvr>
+  <p:timing>
+    <p:tnLst>
+      <p:par>
+        <p:cTn id="1" dur="indefinite" restart="never" nodeType="tmRoot"/>
+      </p:par>
+    </p:tnLst>
+  </p:timing>
 </p:sld>
 </file>
 
@@ -5742,4 +6314,265 @@
     </a:ext>
   </a:extLst>
 </a:theme>
+</file>
+
+<file path=ppt/theme/theme2.xml><?xml version="1.0" encoding="utf-8"?>
+<a:theme xmlns:a="http://schemas.openxmlformats.org/drawingml/2006/main" name="Office Theme">
+  <a:themeElements>
+    <a:clrScheme name="Office">
+      <a:dk1>
+        <a:sysClr val="windowText" lastClr="000000"/>
+      </a:dk1>
+      <a:lt1>
+        <a:sysClr val="window" lastClr="FFFFFF"/>
+      </a:lt1>
+      <a:dk2>
+        <a:srgbClr val="44546A"/>
+      </a:dk2>
+      <a:lt2>
+        <a:srgbClr val="E7E6E6"/>
+      </a:lt2>
+      <a:accent1>
+        <a:srgbClr val="5B9BD5"/>
+      </a:accent1>
+      <a:accent2>
+        <a:srgbClr val="ED7D31"/>
+      </a:accent2>
+      <a:accent3>
+        <a:srgbClr val="A5A5A5"/>
+      </a:accent3>
+      <a:accent4>
+        <a:srgbClr val="FFC000"/>
+      </a:accent4>
+      <a:accent5>
+        <a:srgbClr val="4472C4"/>
+      </a:accent5>
+      <a:accent6>
+        <a:srgbClr val="70AD47"/>
+      </a:accent6>
+      <a:hlink>
+        <a:srgbClr val="0563C1"/>
+      </a:hlink>
+      <a:folHlink>
+        <a:srgbClr val="954F72"/>
+      </a:folHlink>
+    </a:clrScheme>
+    <a:fontScheme name="Office">
+      <a:majorFont>
+        <a:latin typeface="Calibri Light" panose="020F0302020204030204"/>
+        <a:ea typeface=""/>
+        <a:cs typeface=""/>
+        <a:font script="Jpan" typeface="ＭＳ Ｐゴシック"/>
+        <a:font script="Hang" typeface="맑은 고딕"/>
+        <a:font script="Hans" typeface="宋体"/>
+        <a:font script="Hant" typeface="新細明體"/>
+        <a:font script="Arab" typeface="Times New Roman"/>
+        <a:font script="Hebr" typeface="Times New Roman"/>
+        <a:font script="Thai" typeface="Angsana New"/>
+        <a:font script="Ethi" typeface="Nyala"/>
+        <a:font script="Beng" typeface="Vrinda"/>
+        <a:font script="Gujr" typeface="Shruti"/>
+        <a:font script="Khmr" typeface="MoolBoran"/>
+        <a:font script="Knda" typeface="Tunga"/>
+        <a:font script="Guru" typeface="Raavi"/>
+        <a:font script="Cans" typeface="Euphemia"/>
+        <a:font script="Cher" typeface="Plantagenet Cherokee"/>
+        <a:font script="Yiii" typeface="Microsoft Yi Baiti"/>
+        <a:font script="Tibt" typeface="Microsoft Himalaya"/>
+        <a:font script="Thaa" typeface="MV Boli"/>
+        <a:font script="Deva" typeface="Mangal"/>
+        <a:font script="Telu" typeface="Gautami"/>
+        <a:font script="Taml" typeface="Latha"/>
+        <a:font script="Syrc" typeface="Estrangelo Edessa"/>
+        <a:font script="Orya" typeface="Kalinga"/>
+        <a:font script="Mlym" typeface="Kartika"/>
+        <a:font script="Laoo" typeface="DokChampa"/>
+        <a:font script="Sinh" typeface="Iskoola Pota"/>
+        <a:font script="Mong" typeface="Mongolian Baiti"/>
+        <a:font script="Viet" typeface="Times New Roman"/>
+        <a:font script="Uigh" typeface="Microsoft Uighur"/>
+        <a:font script="Geor" typeface="Sylfaen"/>
+      </a:majorFont>
+      <a:minorFont>
+        <a:latin typeface="Calibri" panose="020F0502020204030204"/>
+        <a:ea typeface=""/>
+        <a:cs typeface=""/>
+        <a:font script="Jpan" typeface="ＭＳ Ｐゴシック"/>
+        <a:font script="Hang" typeface="맑은 고딕"/>
+        <a:font script="Hans" typeface="宋体"/>
+        <a:font script="Hant" typeface="新細明體"/>
+        <a:font script="Arab" typeface="Arial"/>
+        <a:font script="Hebr" typeface="Arial"/>
+        <a:font script="Thai" typeface="Cordia New"/>
+        <a:font script="Ethi" typeface="Nyala"/>
+        <a:font script="Beng" typeface="Vrinda"/>
+        <a:font script="Gujr" typeface="Shruti"/>
+        <a:font script="Khmr" typeface="DaunPenh"/>
+        <a:font script="Knda" typeface="Tunga"/>
+        <a:font script="Guru" typeface="Raavi"/>
+        <a:font script="Cans" typeface="Euphemia"/>
+        <a:font script="Cher" typeface="Plantagenet Cherokee"/>
+        <a:font script="Yiii" typeface="Microsoft Yi Baiti"/>
+        <a:font script="Tibt" typeface="Microsoft Himalaya"/>
+        <a:font script="Thaa" typeface="MV Boli"/>
+        <a:font script="Deva" typeface="Mangal"/>
+        <a:font script="Telu" typeface="Gautami"/>
+        <a:font script="Taml" typeface="Latha"/>
+        <a:font script="Syrc" typeface="Estrangelo Edessa"/>
+        <a:font script="Orya" typeface="Kalinga"/>
+        <a:font script="Mlym" typeface="Kartika"/>
+        <a:font script="Laoo" typeface="DokChampa"/>
+        <a:font script="Sinh" typeface="Iskoola Pota"/>
+        <a:font script="Mong" typeface="Mongolian Baiti"/>
+        <a:font script="Viet" typeface="Arial"/>
+        <a:font script="Uigh" typeface="Microsoft Uighur"/>
+        <a:font script="Geor" typeface="Sylfaen"/>
+      </a:minorFont>
+    </a:fontScheme>
+    <a:fmtScheme name="Office">
+      <a:fillStyleLst>
+        <a:solidFill>
+          <a:schemeClr val="phClr"/>
+        </a:solidFill>
+        <a:gradFill rotWithShape="1">
+          <a:gsLst>
+            <a:gs pos="0">
+              <a:schemeClr val="phClr">
+                <a:lumMod val="110000"/>
+                <a:satMod val="105000"/>
+                <a:tint val="67000"/>
+              </a:schemeClr>
+            </a:gs>
+            <a:gs pos="50000">
+              <a:schemeClr val="phClr">
+                <a:lumMod val="105000"/>
+                <a:satMod val="103000"/>
+                <a:tint val="73000"/>
+              </a:schemeClr>
+            </a:gs>
+            <a:gs pos="100000">
+              <a:schemeClr val="phClr">
+                <a:lumMod val="105000"/>
+                <a:satMod val="109000"/>
+                <a:tint val="81000"/>
+              </a:schemeClr>
+            </a:gs>
+          </a:gsLst>
+          <a:lin ang="5400000" scaled="0"/>
+        </a:gradFill>
+        <a:gradFill rotWithShape="1">
+          <a:gsLst>
+            <a:gs pos="0">
+              <a:schemeClr val="phClr">
+                <a:satMod val="103000"/>
+                <a:lumMod val="102000"/>
+                <a:tint val="94000"/>
+              </a:schemeClr>
+            </a:gs>
+            <a:gs pos="50000">
+              <a:schemeClr val="phClr">
+                <a:satMod val="110000"/>
+                <a:lumMod val="100000"/>
+                <a:shade val="100000"/>
+              </a:schemeClr>
+            </a:gs>
+            <a:gs pos="100000">
+              <a:schemeClr val="phClr">
+                <a:lumMod val="99000"/>
+                <a:satMod val="120000"/>
+                <a:shade val="78000"/>
+              </a:schemeClr>
+            </a:gs>
+          </a:gsLst>
+          <a:lin ang="5400000" scaled="0"/>
+        </a:gradFill>
+      </a:fillStyleLst>
+      <a:lnStyleLst>
+        <a:ln w="6350" cap="flat" cmpd="sng" algn="ctr">
+          <a:solidFill>
+            <a:schemeClr val="phClr"/>
+          </a:solidFill>
+          <a:prstDash val="solid"/>
+          <a:miter lim="800000"/>
+        </a:ln>
+        <a:ln w="12700" cap="flat" cmpd="sng" algn="ctr">
+          <a:solidFill>
+            <a:schemeClr val="phClr"/>
+          </a:solidFill>
+          <a:prstDash val="solid"/>
+          <a:miter lim="800000"/>
+        </a:ln>
+        <a:ln w="19050" cap="flat" cmpd="sng" algn="ctr">
+          <a:solidFill>
+            <a:schemeClr val="phClr"/>
+          </a:solidFill>
+          <a:prstDash val="solid"/>
+          <a:miter lim="800000"/>
+        </a:ln>
+      </a:lnStyleLst>
+      <a:effectStyleLst>
+        <a:effectStyle>
+          <a:effectLst/>
+        </a:effectStyle>
+        <a:effectStyle>
+          <a:effectLst/>
+        </a:effectStyle>
+        <a:effectStyle>
+          <a:effectLst>
+            <a:outerShdw blurRad="57150" dist="19050" dir="5400000" algn="ctr" rotWithShape="0">
+              <a:srgbClr val="000000">
+                <a:alpha val="63000"/>
+              </a:srgbClr>
+            </a:outerShdw>
+          </a:effectLst>
+        </a:effectStyle>
+      </a:effectStyleLst>
+      <a:bgFillStyleLst>
+        <a:solidFill>
+          <a:schemeClr val="phClr"/>
+        </a:solidFill>
+        <a:solidFill>
+          <a:schemeClr val="phClr">
+            <a:tint val="95000"/>
+            <a:satMod val="170000"/>
+          </a:schemeClr>
+        </a:solidFill>
+        <a:gradFill rotWithShape="1">
+          <a:gsLst>
+            <a:gs pos="0">
+              <a:schemeClr val="phClr">
+                <a:tint val="93000"/>
+                <a:satMod val="150000"/>
+                <a:shade val="98000"/>
+                <a:lumMod val="102000"/>
+              </a:schemeClr>
+            </a:gs>
+            <a:gs pos="50000">
+              <a:schemeClr val="phClr">
+                <a:tint val="98000"/>
+                <a:satMod val="130000"/>
+                <a:shade val="90000"/>
+                <a:lumMod val="103000"/>
+              </a:schemeClr>
+            </a:gs>
+            <a:gs pos="100000">
+              <a:schemeClr val="phClr">
+                <a:shade val="63000"/>
+                <a:satMod val="120000"/>
+              </a:schemeClr>
+            </a:gs>
+          </a:gsLst>
+          <a:lin ang="5400000" scaled="0"/>
+        </a:gradFill>
+      </a:bgFillStyleLst>
+    </a:fmtScheme>
+  </a:themeElements>
+  <a:objectDefaults/>
+  <a:extraClrSchemeLst/>
+  <a:extLst>
+    <a:ext uri="{05A4C25C-085E-4340-85A3-A5531E510DB2}">
+      <thm15:themeFamily xmlns:thm15="http://schemas.microsoft.com/office/thememl/2012/main" name="Office Theme" id="{62F939B6-93AF-4DB8-9C6B-D6C7DFDC589F}" vid="{4A3C46E8-61CC-4603-A589-7422A47A8E4A}"/>
+    </a:ext>
+  </a:extLst>
+</a:theme>
 </file>
--- a/figures/rpc.pptx
+++ b/figures/rpc.pptx
@@ -200,7 +200,7 @@
           <a:p>
             <a:fld id="{9E649BF4-58FE-2544-902F-4DDF88090C98}" type="datetimeFigureOut">
               <a:rPr lang="en-US" smtClean="0"/>
-              <a:t>11/5/19</a:t>
+              <a:t>11/6/19</a:t>
             </a:fld>
             <a:endParaRPr lang="en-US"/>
           </a:p>
@@ -683,7 +683,7 @@
           <a:p>
             <a:fld id="{5D97E163-DB95-D24D-8C95-263DECB1FC34}" type="datetimeFigureOut">
               <a:rPr lang="en-US" smtClean="0"/>
-              <a:t>11/5/19</a:t>
+              <a:t>11/6/19</a:t>
             </a:fld>
             <a:endParaRPr lang="en-US"/>
           </a:p>
@@ -853,7 +853,7 @@
           <a:p>
             <a:fld id="{5D97E163-DB95-D24D-8C95-263DECB1FC34}" type="datetimeFigureOut">
               <a:rPr lang="en-US" smtClean="0"/>
-              <a:t>11/5/19</a:t>
+              <a:t>11/6/19</a:t>
             </a:fld>
             <a:endParaRPr lang="en-US"/>
           </a:p>
@@ -1033,7 +1033,7 @@
           <a:p>
             <a:fld id="{5D97E163-DB95-D24D-8C95-263DECB1FC34}" type="datetimeFigureOut">
               <a:rPr lang="en-US" smtClean="0"/>
-              <a:t>11/5/19</a:t>
+              <a:t>11/6/19</a:t>
             </a:fld>
             <a:endParaRPr lang="en-US"/>
           </a:p>
@@ -1203,7 +1203,7 @@
           <a:p>
             <a:fld id="{5D97E163-DB95-D24D-8C95-263DECB1FC34}" type="datetimeFigureOut">
               <a:rPr lang="en-US" smtClean="0"/>
-              <a:t>11/5/19</a:t>
+              <a:t>11/6/19</a:t>
             </a:fld>
             <a:endParaRPr lang="en-US"/>
           </a:p>
@@ -1449,7 +1449,7 @@
           <a:p>
             <a:fld id="{5D97E163-DB95-D24D-8C95-263DECB1FC34}" type="datetimeFigureOut">
               <a:rPr lang="en-US" smtClean="0"/>
-              <a:t>11/5/19</a:t>
+              <a:t>11/6/19</a:t>
             </a:fld>
             <a:endParaRPr lang="en-US"/>
           </a:p>
@@ -1681,7 +1681,7 @@
           <a:p>
             <a:fld id="{5D97E163-DB95-D24D-8C95-263DECB1FC34}" type="datetimeFigureOut">
               <a:rPr lang="en-US" smtClean="0"/>
-              <a:t>11/5/19</a:t>
+              <a:t>11/6/19</a:t>
             </a:fld>
             <a:endParaRPr lang="en-US"/>
           </a:p>
@@ -2048,7 +2048,7 @@
           <a:p>
             <a:fld id="{5D97E163-DB95-D24D-8C95-263DECB1FC34}" type="datetimeFigureOut">
               <a:rPr lang="en-US" smtClean="0"/>
-              <a:t>11/5/19</a:t>
+              <a:t>11/6/19</a:t>
             </a:fld>
             <a:endParaRPr lang="en-US"/>
           </a:p>
@@ -2166,7 +2166,7 @@
           <a:p>
             <a:fld id="{5D97E163-DB95-D24D-8C95-263DECB1FC34}" type="datetimeFigureOut">
               <a:rPr lang="en-US" smtClean="0"/>
-              <a:t>11/5/19</a:t>
+              <a:t>11/6/19</a:t>
             </a:fld>
             <a:endParaRPr lang="en-US"/>
           </a:p>
@@ -2261,7 +2261,7 @@
           <a:p>
             <a:fld id="{5D97E163-DB95-D24D-8C95-263DECB1FC34}" type="datetimeFigureOut">
               <a:rPr lang="en-US" smtClean="0"/>
-              <a:t>11/5/19</a:t>
+              <a:t>11/6/19</a:t>
             </a:fld>
             <a:endParaRPr lang="en-US"/>
           </a:p>
@@ -2538,7 +2538,7 @@
           <a:p>
             <a:fld id="{5D97E163-DB95-D24D-8C95-263DECB1FC34}" type="datetimeFigureOut">
               <a:rPr lang="en-US" smtClean="0"/>
-              <a:t>11/5/19</a:t>
+              <a:t>11/6/19</a:t>
             </a:fld>
             <a:endParaRPr lang="en-US"/>
           </a:p>
@@ -2791,7 +2791,7 @@
           <a:p>
             <a:fld id="{5D97E163-DB95-D24D-8C95-263DECB1FC34}" type="datetimeFigureOut">
               <a:rPr lang="en-US" smtClean="0"/>
-              <a:t>11/5/19</a:t>
+              <a:t>11/6/19</a:t>
             </a:fld>
             <a:endParaRPr lang="en-US"/>
           </a:p>
@@ -3004,7 +3004,7 @@
           <a:p>
             <a:fld id="{5D97E163-DB95-D24D-8C95-263DECB1FC34}" type="datetimeFigureOut">
               <a:rPr lang="en-US" smtClean="0"/>
-              <a:t>11/5/19</a:t>
+              <a:t>11/6/19</a:t>
             </a:fld>
             <a:endParaRPr lang="en-US"/>
           </a:p>
@@ -5945,6 +5945,46 @@
           <a:chExt cx="0" cy="0"/>
         </a:xfrm>
       </p:grpSpPr>
+      <p:sp>
+        <p:nvSpPr>
+          <p:cNvPr id="5" name="Rectangle 4"/>
+          <p:cNvSpPr/>
+          <p:nvPr/>
+        </p:nvSpPr>
+        <p:spPr>
+          <a:xfrm>
+            <a:off x="609600" y="516199"/>
+            <a:ext cx="10171471" cy="5891754"/>
+          </a:xfrm>
+          <a:prstGeom prst="rect">
+            <a:avLst/>
+          </a:prstGeom>
+        </p:spPr>
+        <p:style>
+          <a:lnRef idx="2">
+            <a:schemeClr val="accent1">
+              <a:shade val="50000"/>
+            </a:schemeClr>
+          </a:lnRef>
+          <a:fillRef idx="1">
+            <a:schemeClr val="accent1"/>
+          </a:fillRef>
+          <a:effectRef idx="0">
+            <a:schemeClr val="accent1"/>
+          </a:effectRef>
+          <a:fontRef idx="minor">
+            <a:schemeClr val="lt1"/>
+          </a:fontRef>
+        </p:style>
+        <p:txBody>
+          <a:bodyPr rtlCol="0" anchor="ctr"/>
+          <a:lstStyle/>
+          <a:p>
+            <a:pPr algn="ctr"/>
+            <a:endParaRPr lang="en-US"/>
+          </a:p>
+        </p:txBody>
+      </p:sp>
       <p:pic>
         <p:nvPicPr>
           <p:cNvPr id="2" name="Picture 1"/>
@@ -5967,7 +6007,7 @@
         </p:blipFill>
         <p:spPr>
           <a:xfrm>
-            <a:off x="152400" y="0"/>
+            <a:off x="666135" y="560443"/>
             <a:ext cx="10058400" cy="5803267"/>
           </a:xfrm>
           <a:prstGeom prst="rect">
@@ -5977,7 +6017,7 @@
       </p:pic>
       <p:pic>
         <p:nvPicPr>
-          <p:cNvPr id="3" name="Picture 2"/>
+          <p:cNvPr id="4" name="Picture 3"/>
           <p:cNvPicPr>
             <a:picLocks noChangeAspect="1"/>
           </p:cNvPicPr>
@@ -5997,8 +6037,8 @@
         </p:blipFill>
         <p:spPr>
           <a:xfrm>
-            <a:off x="2344994" y="304486"/>
-            <a:ext cx="1401096" cy="786896"/>
+            <a:off x="4323735" y="843702"/>
+            <a:ext cx="1398640" cy="807557"/>
           </a:xfrm>
           <a:prstGeom prst="rect">
             <a:avLst/>
@@ -6007,7 +6047,7 @@
       </p:pic>
       <p:pic>
         <p:nvPicPr>
-          <p:cNvPr id="4" name="Picture 3"/>
+          <p:cNvPr id="7" name="Picture 6"/>
           <p:cNvPicPr>
             <a:picLocks noChangeAspect="1"/>
           </p:cNvPicPr>
@@ -6027,8 +6067,8 @@
         </p:blipFill>
         <p:spPr>
           <a:xfrm>
-            <a:off x="3834581" y="304486"/>
-            <a:ext cx="1371600" cy="786896"/>
+            <a:off x="2866513" y="867287"/>
+            <a:ext cx="1381021" cy="798721"/>
           </a:xfrm>
           <a:prstGeom prst="rect">
             <a:avLst/>
